--- a/Deliverables/Iteration 1/Interation 1 Presentation.pptx
+++ b/Deliverables/Iteration 1/Interation 1 Presentation.pptx
@@ -8,9 +8,9 @@
     <p:sldId id="256" r:id="rId2"/>
     <p:sldId id="257" r:id="rId3"/>
     <p:sldId id="259" r:id="rId4"/>
-    <p:sldId id="263" r:id="rId5"/>
-    <p:sldId id="264" r:id="rId6"/>
-    <p:sldId id="265" r:id="rId7"/>
+    <p:sldId id="264" r:id="rId5"/>
+    <p:sldId id="265" r:id="rId6"/>
+    <p:sldId id="266" r:id="rId7"/>
   </p:sldIdLst>
   <p:sldSz cx="9144000" cy="6858000" type="screen4x3"/>
   <p:notesSz cx="6858000" cy="9144000"/>
@@ -3492,43 +3492,6 @@
           <a:chExt cx="0" cy="0"/>
         </a:xfrm>
       </p:grpSpPr>
-    </p:spTree>
-    <p:extLst>
-      <p:ext uri="{BB962C8B-B14F-4D97-AF65-F5344CB8AC3E}">
-        <p14:creationId xmlns:p14="http://schemas.microsoft.com/office/powerpoint/2010/main" val="3649225049"/>
-      </p:ext>
-    </p:extLst>
-  </p:cSld>
-  <p:clrMapOvr>
-    <a:masterClrMapping/>
-  </p:clrMapOvr>
-  <p:timing>
-    <p:tnLst>
-      <p:par>
-        <p:cTn xmlns:p14="http://schemas.microsoft.com/office/powerpoint/2010/main" id="1" dur="indefinite" restart="never" nodeType="tmRoot"/>
-      </p:par>
-    </p:tnLst>
-  </p:timing>
-</p:sld>
-</file>
-
-<file path=ppt/slides/slide5.xml><?xml version="1.0" encoding="utf-8"?>
-<p:sld xmlns:a="http://schemas.openxmlformats.org/drawingml/2006/main" xmlns:r="http://schemas.openxmlformats.org/officeDocument/2006/relationships" xmlns:p="http://schemas.openxmlformats.org/presentationml/2006/main">
-  <p:cSld>
-    <p:spTree>
-      <p:nvGrpSpPr>
-        <p:cNvPr id="1" name=""/>
-        <p:cNvGrpSpPr/>
-        <p:nvPr/>
-      </p:nvGrpSpPr>
-      <p:grpSpPr>
-        <a:xfrm>
-          <a:off x="0" y="0"/>
-          <a:ext cx="0" cy="0"/>
-          <a:chOff x="0" y="0"/>
-          <a:chExt cx="0" cy="0"/>
-        </a:xfrm>
-      </p:grpSpPr>
       <p:pic>
         <p:nvPicPr>
           <p:cNvPr id="3" name="Picture 2" descr="Screen Shot 2015-03-03 at 8.41.38 AM.png"/>
@@ -3579,7 +3542,7 @@
 </p:sld>
 </file>
 
-<file path=ppt/slides/slide6.xml><?xml version="1.0" encoding="utf-8"?>
+<file path=ppt/slides/slide5.xml><?xml version="1.0" encoding="utf-8"?>
 <p:sld xmlns:a="http://schemas.openxmlformats.org/drawingml/2006/main" xmlns:r="http://schemas.openxmlformats.org/officeDocument/2006/relationships" xmlns:p="http://schemas.openxmlformats.org/presentationml/2006/main">
   <p:cSld>
     <p:spTree>
@@ -3643,6 +3606,66 @@
       </p:par>
     </p:tnLst>
   </p:timing>
+</p:sld>
+</file>
+
+<file path=ppt/slides/slide6.xml><?xml version="1.0" encoding="utf-8"?>
+<p:sld xmlns:a="http://schemas.openxmlformats.org/drawingml/2006/main" xmlns:r="http://schemas.openxmlformats.org/officeDocument/2006/relationships" xmlns:p="http://schemas.openxmlformats.org/presentationml/2006/main">
+  <p:cSld>
+    <p:spTree>
+      <p:nvGrpSpPr>
+        <p:cNvPr id="1" name=""/>
+        <p:cNvGrpSpPr/>
+        <p:nvPr/>
+      </p:nvGrpSpPr>
+      <p:grpSpPr>
+        <a:xfrm>
+          <a:off x="0" y="0"/>
+          <a:ext cx="0" cy="0"/>
+          <a:chOff x="0" y="0"/>
+          <a:chExt cx="0" cy="0"/>
+        </a:xfrm>
+      </p:grpSpPr>
+      <p:pic>
+        <p:nvPicPr>
+          <p:cNvPr id="2" name="Picture 1" descr="Screen Shot 2015-03-03 at 10.52.38 AM.png"/>
+          <p:cNvPicPr>
+            <a:picLocks noChangeAspect="1"/>
+          </p:cNvPicPr>
+          <p:nvPr/>
+        </p:nvPicPr>
+        <p:blipFill>
+          <a:blip r:embed="rId2">
+            <a:extLst>
+              <a:ext uri="{28A0092B-C50C-407E-A947-70E740481C1C}">
+                <a14:useLocalDpi xmlns:a14="http://schemas.microsoft.com/office/drawing/2010/main" val="0"/>
+              </a:ext>
+            </a:extLst>
+          </a:blip>
+          <a:stretch>
+            <a:fillRect/>
+          </a:stretch>
+        </p:blipFill>
+        <p:spPr>
+          <a:xfrm>
+            <a:off x="947369" y="191987"/>
+            <a:ext cx="6140636" cy="6447668"/>
+          </a:xfrm>
+          <a:prstGeom prst="rect">
+            <a:avLst/>
+          </a:prstGeom>
+        </p:spPr>
+      </p:pic>
+    </p:spTree>
+    <p:extLst>
+      <p:ext uri="{BB962C8B-B14F-4D97-AF65-F5344CB8AC3E}">
+        <p14:creationId xmlns:p14="http://schemas.microsoft.com/office/powerpoint/2010/main" val="2617111597"/>
+      </p:ext>
+    </p:extLst>
+  </p:cSld>
+  <p:clrMapOvr>
+    <a:masterClrMapping/>
+  </p:clrMapOvr>
 </p:sld>
 </file>
 
